--- a/Microsoft_Teams_Lab_Slide_Deck.pptx
+++ b/Microsoft_Teams_Lab_Slide_Deck.pptx
@@ -203,7 +203,7 @@
   <pc:docChgLst>
     <pc:chgData name="Joshua Trick" userId="f015046f-dccb-4e12-918e-e04bd2d987af" providerId="ADAL" clId="{4473E944-C4DD-4F20-8F8D-E88FDD0A9836}"/>
     <pc:docChg chg="undo custSel addSld delSld modSld sldOrd">
-      <pc:chgData name="Joshua Trick" userId="f015046f-dccb-4e12-918e-e04bd2d987af" providerId="ADAL" clId="{4473E944-C4DD-4F20-8F8D-E88FDD0A9836}" dt="2017-10-24T01:15:10.906" v="6745" actId="20577"/>
+      <pc:chgData name="Joshua Trick" userId="f015046f-dccb-4e12-918e-e04bd2d987af" providerId="ADAL" clId="{4473E944-C4DD-4F20-8F8D-E88FDD0A9836}" dt="2017-10-24T01:54:59.093" v="6771" actId="20577"/>
       <pc:docMkLst>
         <pc:docMk/>
       </pc:docMkLst>
@@ -1697,7 +1697,7 @@
         </pc:sldMkLst>
       </pc:sldChg>
       <pc:sldChg chg="modSp add ord">
-        <pc:chgData name="Joshua Trick" userId="f015046f-dccb-4e12-918e-e04bd2d987af" providerId="ADAL" clId="{4473E944-C4DD-4F20-8F8D-E88FDD0A9836}" dt="2017-10-24T01:15:10.906" v="6745" actId="20577"/>
+        <pc:chgData name="Joshua Trick" userId="f015046f-dccb-4e12-918e-e04bd2d987af" providerId="ADAL" clId="{4473E944-C4DD-4F20-8F8D-E88FDD0A9836}" dt="2017-10-24T01:54:59.093" v="6771" actId="20577"/>
         <pc:sldMkLst>
           <pc:docMk/>
           <pc:sldMk cId="572385766" sldId="340"/>
@@ -1711,7 +1711,7 @@
           </ac:spMkLst>
         </pc:spChg>
         <pc:spChg chg="mod">
-          <ac:chgData name="Joshua Trick" userId="f015046f-dccb-4e12-918e-e04bd2d987af" providerId="ADAL" clId="{4473E944-C4DD-4F20-8F8D-E88FDD0A9836}" dt="2017-10-24T01:15:10.906" v="6745" actId="20577"/>
+          <ac:chgData name="Joshua Trick" userId="f015046f-dccb-4e12-918e-e04bd2d987af" providerId="ADAL" clId="{4473E944-C4DD-4F20-8F8D-E88FDD0A9836}" dt="2017-10-24T01:54:59.093" v="6771" actId="20577"/>
           <ac:spMkLst>
             <pc:docMk/>
             <pc:sldMk cId="572385766" sldId="340"/>
@@ -14655,6 +14655,25 @@
               <a:rPr lang="en-US" dirty="0"/>
               <a:t>This is very new – we would love to know the good and bad parts of this</a:t>
             </a:r>
+          </a:p>
+          <a:p>
+            <a:endParaRPr lang="en-US" dirty="0"/>
+          </a:p>
+          <a:p>
+            <a:r>
+              <a:rPr lang="en-US" dirty="0"/>
+              <a:t>Teams Documentation - </a:t>
+            </a:r>
+            <a:r>
+              <a:rPr lang="en-US" dirty="0">
+                <a:hlinkClick r:id="rId3"/>
+              </a:rPr>
+              <a:t>https://msdn.microsoft.com/en-us/microsoft-teams/index</a:t>
+            </a:r>
+            <a:endParaRPr lang="en-US" dirty="0"/>
+          </a:p>
+          <a:p>
+            <a:endParaRPr lang="en-US" dirty="0"/>
           </a:p>
         </p:txBody>
       </p:sp>
